--- a/Section 3/System Architecture.pptx
+++ b/Section 3/System Architecture.pptx
@@ -3779,7 +3779,7 @@
         </p:nvSpPr>
         <p:spPr>
           <a:xfrm>
-            <a:off x="8843466" y="4046208"/>
+            <a:off x="8813411" y="4046208"/>
             <a:ext cx="3136383" cy="2534155"/>
           </a:xfrm>
           <a:prstGeom prst="rect">
